--- a/Boris.pptx
+++ b/Boris.pptx
@@ -18091,9 +18091,22 @@
           <a:lstStyle/>
           <a:p>
             <a:r>
-              <a:rPr lang="en-US" dirty="0"/>
-              <a:t>GDB Debug Adapter protocol prototype</a:t>
+              <a:rPr lang="en-US" cap="none" dirty="0"/>
+              <a:t>GDB Debug </a:t>
             </a:r>
+            <a:r>
+              <a:rPr lang="en-US" cap="none"/>
+              <a:t>Adapter Protocol </a:t>
+            </a:r>
+            <a:r>
+              <a:rPr lang="en-US" cap="none" dirty="0"/>
+              <a:t>P</a:t>
+            </a:r>
+            <a:r>
+              <a:rPr lang="en-US" cap="none"/>
+              <a:t>rototype</a:t>
+            </a:r>
+            <a:endParaRPr lang="en-US" cap="none" dirty="0"/>
           </a:p>
         </p:txBody>
       </p:sp>
@@ -21500,15 +21513,7 @@
           <a:p>
             <a:r>
               <a:rPr lang="en-US" dirty="0"/>
-              <a:t>#</a:t>
-            </a:r>
-            <a:r>
-              <a:rPr lang="en-US"/>
-              <a:t>winning - </a:t>
-            </a:r>
-            <a:r>
-              <a:rPr lang="en-US" dirty="0"/>
-              <a:t>prototype other components</a:t>
+              <a:t>#winning - prototype other components</a:t>
             </a:r>
           </a:p>
           <a:p>

--- a/Boris.pptx
+++ b/Boris.pptx
@@ -5,7 +5,7 @@
     <p:sldMasterId id="2147483648" r:id="rId1"/>
   </p:sldMasterIdLst>
   <p:notesMasterIdLst>
-    <p:notesMasterId r:id="rId8"/>
+    <p:notesMasterId r:id="rId9"/>
   </p:notesMasterIdLst>
   <p:sldIdLst>
     <p:sldId id="256" r:id="rId2"/>
@@ -14,6 +14,7 @@
     <p:sldId id="259" r:id="rId5"/>
     <p:sldId id="261" r:id="rId6"/>
     <p:sldId id="260" r:id="rId7"/>
+    <p:sldId id="262" r:id="rId8"/>
   </p:sldIdLst>
   <p:sldSz cx="12192000" cy="6858000"/>
   <p:notesSz cx="6858000" cy="9144000"/>
@@ -112,6 +113,11 @@
       </a:defRPr>
     </a:lvl9pPr>
   </p:defaultTextStyle>
+  <p:extLst>
+    <p:ext uri="{EFAFB233-063F-42B5-8137-9DF3F51BA10A}">
+      <p15:sldGuideLst xmlns:p15="http://schemas.microsoft.com/office/powerpoint/2012/main"/>
+    </p:ext>
+  </p:extLst>
 </p:presentation>
 </file>
 
@@ -21914,6 +21920,256 @@
 </p:sld>
 </file>
 
+<file path=ppt/slides/slide7.xml><?xml version="1.0" encoding="utf-8"?>
+<p:sld xmlns:a="http://schemas.openxmlformats.org/drawingml/2006/main" xmlns:r="http://schemas.openxmlformats.org/officeDocument/2006/relationships" xmlns:p="http://schemas.openxmlformats.org/presentationml/2006/main">
+  <p:cSld>
+    <p:spTree>
+      <p:nvGrpSpPr>
+        <p:cNvPr id="1" name=""/>
+        <p:cNvGrpSpPr/>
+        <p:nvPr/>
+      </p:nvGrpSpPr>
+      <p:grpSpPr>
+        <a:xfrm>
+          <a:off x="0" y="0"/>
+          <a:ext cx="0" cy="0"/>
+          <a:chOff x="0" y="0"/>
+          <a:chExt cx="0" cy="0"/>
+        </a:xfrm>
+      </p:grpSpPr>
+      <p:sp>
+        <p:nvSpPr>
+          <p:cNvPr id="2" name="Title 1">
+            <a:extLst>
+              <a:ext uri="{FF2B5EF4-FFF2-40B4-BE49-F238E27FC236}">
+                <a16:creationId xmlns:a16="http://schemas.microsoft.com/office/drawing/2014/main" id="{8198DB92-898F-4C14-A779-71D6E8C284BE}"/>
+              </a:ext>
+            </a:extLst>
+          </p:cNvPr>
+          <p:cNvSpPr>
+            <a:spLocks noGrp="1"/>
+          </p:cNvSpPr>
+          <p:nvPr>
+            <p:ph type="title"/>
+          </p:nvPr>
+        </p:nvSpPr>
+        <p:spPr/>
+        <p:txBody>
+          <a:bodyPr/>
+          <a:lstStyle/>
+          <a:p>
+            <a:r>
+              <a:rPr lang="en-US" dirty="0"/>
+              <a:t>Takeaway</a:t>
+            </a:r>
+          </a:p>
+        </p:txBody>
+      </p:sp>
+      <p:sp>
+        <p:nvSpPr>
+          <p:cNvPr id="3" name="Content Placeholder 2">
+            <a:extLst>
+              <a:ext uri="{FF2B5EF4-FFF2-40B4-BE49-F238E27FC236}">
+                <a16:creationId xmlns:a16="http://schemas.microsoft.com/office/drawing/2014/main" id="{4CF46786-1EAD-41BA-B8E4-A09170E63CF1}"/>
+              </a:ext>
+            </a:extLst>
+          </p:cNvPr>
+          <p:cNvSpPr>
+            <a:spLocks noGrp="1"/>
+          </p:cNvSpPr>
+          <p:nvPr>
+            <p:ph idx="1"/>
+          </p:nvPr>
+        </p:nvSpPr>
+        <p:spPr/>
+        <p:txBody>
+          <a:bodyPr/>
+          <a:lstStyle/>
+          <a:p>
+            <a:r>
+              <a:rPr lang="en-US" dirty="0"/>
+              <a:t>Part part-time, outside of working hours</a:t>
+            </a:r>
+          </a:p>
+          <a:p>
+            <a:r>
+              <a:rPr lang="en-US" dirty="0"/>
+              <a:t>~75 commits over 2 months</a:t>
+            </a:r>
+          </a:p>
+          <a:p>
+            <a:r>
+              <a:rPr lang="en-US" dirty="0"/>
+              <a:t>Let’s say an average of 2 hours/commit = 150 hours ≈</a:t>
+            </a:r>
+            <a:r>
+              <a:rPr lang="en-US" b="1" dirty="0"/>
+              <a:t> </a:t>
+            </a:r>
+            <a:r>
+              <a:rPr lang="en-US" dirty="0"/>
+              <a:t>4 weeks</a:t>
+            </a:r>
+          </a:p>
+          <a:p>
+            <a:r>
+              <a:rPr lang="en-US" dirty="0"/>
+              <a:t>Used open source projects as guidance and inspiration</a:t>
+            </a:r>
+          </a:p>
+          <a:p>
+            <a:endParaRPr lang="en-US" dirty="0"/>
+          </a:p>
+          <a:p>
+            <a:pPr marL="0" indent="0">
+              <a:buNone/>
+            </a:pPr>
+            <a:endParaRPr lang="en-US" dirty="0"/>
+          </a:p>
+        </p:txBody>
+      </p:sp>
+      <p:sp>
+        <p:nvSpPr>
+          <p:cNvPr id="4" name="Rectangle 3">
+            <a:extLst>
+              <a:ext uri="{FF2B5EF4-FFF2-40B4-BE49-F238E27FC236}">
+                <a16:creationId xmlns:a16="http://schemas.microsoft.com/office/drawing/2014/main" id="{4116CB63-4688-4E0B-A30E-F855E21D47C4}"/>
+              </a:ext>
+            </a:extLst>
+          </p:cNvPr>
+          <p:cNvSpPr/>
+          <p:nvPr/>
+        </p:nvSpPr>
+        <p:spPr>
+          <a:xfrm>
+            <a:off x="1160207" y="4449301"/>
+            <a:ext cx="9876839" cy="1077218"/>
+          </a:xfrm>
+          <a:prstGeom prst="rect">
+            <a:avLst/>
+          </a:prstGeom>
+        </p:spPr>
+        <p:txBody>
+          <a:bodyPr wrap="square">
+            <a:spAutoFit/>
+          </a:bodyPr>
+          <a:lstStyle/>
+          <a:p>
+            <a:r>
+              <a:rPr lang="en-US" sz="3200" dirty="0">
+                <a:solidFill>
+                  <a:schemeClr val="tx2"/>
+                </a:solidFill>
+              </a:rPr>
+              <a:t>If a single schmuck was able to put this together, imagine what a team of professionals could do!</a:t>
+            </a:r>
+          </a:p>
+        </p:txBody>
+      </p:sp>
+    </p:spTree>
+    <p:extLst>
+      <p:ext uri="{BB962C8B-B14F-4D97-AF65-F5344CB8AC3E}">
+        <p14:creationId xmlns:p14="http://schemas.microsoft.com/office/powerpoint/2010/main" val="3830630177"/>
+      </p:ext>
+    </p:extLst>
+  </p:cSld>
+  <p:clrMapOvr>
+    <a:masterClrMapping/>
+  </p:clrMapOvr>
+  <p:timing>
+    <p:tnLst>
+      <p:par>
+        <p:cTn id="1" dur="indefinite" restart="never" nodeType="tmRoot">
+          <p:childTnLst>
+            <p:seq concurrent="1" nextAc="seek">
+              <p:cTn id="2" dur="indefinite" nodeType="mainSeq">
+                <p:childTnLst>
+                  <p:par>
+                    <p:cTn id="3" fill="hold">
+                      <p:stCondLst>
+                        <p:cond delay="indefinite"/>
+                      </p:stCondLst>
+                      <p:childTnLst>
+                        <p:par>
+                          <p:cTn id="4" fill="hold">
+                            <p:stCondLst>
+                              <p:cond delay="0"/>
+                            </p:stCondLst>
+                            <p:childTnLst>
+                              <p:par>
+                                <p:cTn id="5" presetID="6" presetClass="entr" presetSubtype="16" fill="hold" nodeType="clickEffect">
+                                  <p:stCondLst>
+                                    <p:cond delay="0"/>
+                                  </p:stCondLst>
+                                  <p:childTnLst>
+                                    <p:set>
+                                      <p:cBhvr>
+                                        <p:cTn id="6" dur="1" fill="hold">
+                                          <p:stCondLst>
+                                            <p:cond delay="0"/>
+                                          </p:stCondLst>
+                                        </p:cTn>
+                                        <p:tgtEl>
+                                          <p:spTgt spid="4">
+                                            <p:txEl>
+                                              <p:pRg st="0" end="0"/>
+                                            </p:txEl>
+                                          </p:spTgt>
+                                        </p:tgtEl>
+                                        <p:attrNameLst>
+                                          <p:attrName>style.visibility</p:attrName>
+                                        </p:attrNameLst>
+                                      </p:cBhvr>
+                                      <p:to>
+                                        <p:strVal val="visible"/>
+                                      </p:to>
+                                    </p:set>
+                                    <p:animEffect transition="in" filter="circle(in)">
+                                      <p:cBhvr>
+                                        <p:cTn id="7" dur="2000"/>
+                                        <p:tgtEl>
+                                          <p:spTgt spid="4">
+                                            <p:txEl>
+                                              <p:pRg st="0" end="0"/>
+                                            </p:txEl>
+                                          </p:spTgt>
+                                        </p:tgtEl>
+                                      </p:cBhvr>
+                                    </p:animEffect>
+                                  </p:childTnLst>
+                                </p:cTn>
+                              </p:par>
+                            </p:childTnLst>
+                          </p:cTn>
+                        </p:par>
+                      </p:childTnLst>
+                    </p:cTn>
+                  </p:par>
+                </p:childTnLst>
+              </p:cTn>
+              <p:prevCondLst>
+                <p:cond evt="onPrev" delay="0">
+                  <p:tgtEl>
+                    <p:sldTgt/>
+                  </p:tgtEl>
+                </p:cond>
+              </p:prevCondLst>
+              <p:nextCondLst>
+                <p:cond evt="onNext" delay="0">
+                  <p:tgtEl>
+                    <p:sldTgt/>
+                  </p:tgtEl>
+                </p:cond>
+              </p:nextCondLst>
+            </p:seq>
+          </p:childTnLst>
+        </p:cTn>
+      </p:par>
+    </p:tnLst>
+  </p:timing>
+</p:sld>
+</file>
+
 <file path=ppt/theme/theme1.xml><?xml version="1.0" encoding="utf-8"?>
 <a:theme xmlns:a="http://schemas.openxmlformats.org/drawingml/2006/main" name="Ion Boardroom">
   <a:themeElements>
